--- a/ppt 16-9/0301.走到神的祭坛.pptx
+++ b/ppt 16-9/0301.走到神的祭坛.pptx
@@ -129,7 +129,7 @@
           <p:cNvPr id="2" name="标题 1">
             <a:extLst>
               <a:ext uri="{FF2B5EF4-FFF2-40B4-BE49-F238E27FC236}">
-                <a16:creationId xmlns:a16="http://schemas.microsoft.com/office/drawing/2014/main" id="{B5A3B6B1-EDE5-B466-CF03-1853AC8CC9F3}"/>
+                <a16:creationId xmlns:a16="http://schemas.microsoft.com/office/drawing/2014/main" id="{13B2D0D4-E98E-3F4C-B6EF-5EE9C673FC45}"/>
               </a:ext>
             </a:extLst>
           </p:cNvPr>
@@ -166,7 +166,7 @@
           <p:cNvPr id="3" name="副标题 2">
             <a:extLst>
               <a:ext uri="{FF2B5EF4-FFF2-40B4-BE49-F238E27FC236}">
-                <a16:creationId xmlns:a16="http://schemas.microsoft.com/office/drawing/2014/main" id="{4770F253-4E8D-817C-6BBF-CEFE531FD8A8}"/>
+                <a16:creationId xmlns:a16="http://schemas.microsoft.com/office/drawing/2014/main" id="{A855536C-310C-1171-9F31-8FDE81B7E266}"/>
               </a:ext>
             </a:extLst>
           </p:cNvPr>
@@ -236,7 +236,7 @@
           <p:cNvPr id="4" name="日期占位符 3">
             <a:extLst>
               <a:ext uri="{FF2B5EF4-FFF2-40B4-BE49-F238E27FC236}">
-                <a16:creationId xmlns:a16="http://schemas.microsoft.com/office/drawing/2014/main" id="{1A74BC3A-1508-75F3-0D33-3D52214851CE}"/>
+                <a16:creationId xmlns:a16="http://schemas.microsoft.com/office/drawing/2014/main" id="{D629FCBF-C326-2194-F38B-669F906280BE}"/>
               </a:ext>
             </a:extLst>
           </p:cNvPr>
@@ -252,7 +252,7 @@
           <a:bodyPr/>
           <a:lstStyle/>
           <a:p>
-            <a:fld id="{72BCFEFE-2F76-4008-B55D-17669C3BB442}" type="datetimeFigureOut">
+            <a:fld id="{29AAB0CA-802A-46EC-8EA0-18A62933E987}" type="datetimeFigureOut">
               <a:rPr lang="zh-CN" altLang="en-US" smtClean="0"/>
               <a:t>2024/3/10</a:t>
             </a:fld>
@@ -265,7 +265,7 @@
           <p:cNvPr id="5" name="页脚占位符 4">
             <a:extLst>
               <a:ext uri="{FF2B5EF4-FFF2-40B4-BE49-F238E27FC236}">
-                <a16:creationId xmlns:a16="http://schemas.microsoft.com/office/drawing/2014/main" id="{D27A0DEC-559C-3B27-FE39-C486C18F4E20}"/>
+                <a16:creationId xmlns:a16="http://schemas.microsoft.com/office/drawing/2014/main" id="{3F1BCFA0-9827-AAB1-DD81-92E36E6E6CBB}"/>
               </a:ext>
             </a:extLst>
           </p:cNvPr>
@@ -290,7 +290,7 @@
           <p:cNvPr id="6" name="灯片编号占位符 5">
             <a:extLst>
               <a:ext uri="{FF2B5EF4-FFF2-40B4-BE49-F238E27FC236}">
-                <a16:creationId xmlns:a16="http://schemas.microsoft.com/office/drawing/2014/main" id="{E21B9777-3C10-BA56-C3CE-728817DA70E8}"/>
+                <a16:creationId xmlns:a16="http://schemas.microsoft.com/office/drawing/2014/main" id="{46478343-1A68-6165-77DC-6E5D7F6176D7}"/>
               </a:ext>
             </a:extLst>
           </p:cNvPr>
@@ -306,7 +306,7 @@
           <a:bodyPr/>
           <a:lstStyle/>
           <a:p>
-            <a:fld id="{769241C0-9733-4520-B002-CB129F663267}" type="slidenum">
+            <a:fld id="{A84D0467-2C8D-493D-983D-BF298A248BB8}" type="slidenum">
               <a:rPr lang="zh-CN" altLang="en-US" smtClean="0"/>
               <a:t>‹#›</a:t>
             </a:fld>
@@ -317,7 +317,7 @@
     </p:spTree>
     <p:extLst>
       <p:ext uri="{BB962C8B-B14F-4D97-AF65-F5344CB8AC3E}">
-        <p14:creationId xmlns:p14="http://schemas.microsoft.com/office/powerpoint/2010/main" val="1296817822"/>
+        <p14:creationId xmlns:p14="http://schemas.microsoft.com/office/powerpoint/2010/main" val="4025908227"/>
       </p:ext>
     </p:extLst>
   </p:cSld>
@@ -349,7 +349,7 @@
           <p:cNvPr id="2" name="标题 1">
             <a:extLst>
               <a:ext uri="{FF2B5EF4-FFF2-40B4-BE49-F238E27FC236}">
-                <a16:creationId xmlns:a16="http://schemas.microsoft.com/office/drawing/2014/main" id="{986FBB86-C0D3-B64E-C462-8637B5691C23}"/>
+                <a16:creationId xmlns:a16="http://schemas.microsoft.com/office/drawing/2014/main" id="{5654FC7D-74DC-04AB-D903-D3C6DC69A1AA}"/>
               </a:ext>
             </a:extLst>
           </p:cNvPr>
@@ -377,7 +377,7 @@
           <p:cNvPr id="3" name="竖排文字占位符 2">
             <a:extLst>
               <a:ext uri="{FF2B5EF4-FFF2-40B4-BE49-F238E27FC236}">
-                <a16:creationId xmlns:a16="http://schemas.microsoft.com/office/drawing/2014/main" id="{4B2D355B-D65B-5772-C304-BBE7690D3BD2}"/>
+                <a16:creationId xmlns:a16="http://schemas.microsoft.com/office/drawing/2014/main" id="{34133BFC-8FE3-6923-69D3-4C790D931E30}"/>
               </a:ext>
             </a:extLst>
           </p:cNvPr>
@@ -434,7 +434,7 @@
           <p:cNvPr id="4" name="日期占位符 3">
             <a:extLst>
               <a:ext uri="{FF2B5EF4-FFF2-40B4-BE49-F238E27FC236}">
-                <a16:creationId xmlns:a16="http://schemas.microsoft.com/office/drawing/2014/main" id="{DD840544-CFC8-E194-C264-B94E768851A0}"/>
+                <a16:creationId xmlns:a16="http://schemas.microsoft.com/office/drawing/2014/main" id="{8D314EA8-F43D-E3BF-1568-58BE8D35D0D5}"/>
               </a:ext>
             </a:extLst>
           </p:cNvPr>
@@ -450,7 +450,7 @@
           <a:bodyPr/>
           <a:lstStyle/>
           <a:p>
-            <a:fld id="{72BCFEFE-2F76-4008-B55D-17669C3BB442}" type="datetimeFigureOut">
+            <a:fld id="{29AAB0CA-802A-46EC-8EA0-18A62933E987}" type="datetimeFigureOut">
               <a:rPr lang="zh-CN" altLang="en-US" smtClean="0"/>
               <a:t>2024/3/10</a:t>
             </a:fld>
@@ -463,7 +463,7 @@
           <p:cNvPr id="5" name="页脚占位符 4">
             <a:extLst>
               <a:ext uri="{FF2B5EF4-FFF2-40B4-BE49-F238E27FC236}">
-                <a16:creationId xmlns:a16="http://schemas.microsoft.com/office/drawing/2014/main" id="{53AC45EA-38E4-BD46-36F9-A0B21D05F61C}"/>
+                <a16:creationId xmlns:a16="http://schemas.microsoft.com/office/drawing/2014/main" id="{E7B8B470-F0C4-75F6-F919-AA5BFFF87BD1}"/>
               </a:ext>
             </a:extLst>
           </p:cNvPr>
@@ -488,7 +488,7 @@
           <p:cNvPr id="6" name="灯片编号占位符 5">
             <a:extLst>
               <a:ext uri="{FF2B5EF4-FFF2-40B4-BE49-F238E27FC236}">
-                <a16:creationId xmlns:a16="http://schemas.microsoft.com/office/drawing/2014/main" id="{FD4100B6-911F-B5EE-1906-8DAED97EC759}"/>
+                <a16:creationId xmlns:a16="http://schemas.microsoft.com/office/drawing/2014/main" id="{AA57F965-F597-A8F6-A894-62956768AEB1}"/>
               </a:ext>
             </a:extLst>
           </p:cNvPr>
@@ -504,7 +504,7 @@
           <a:bodyPr/>
           <a:lstStyle/>
           <a:p>
-            <a:fld id="{769241C0-9733-4520-B002-CB129F663267}" type="slidenum">
+            <a:fld id="{A84D0467-2C8D-493D-983D-BF298A248BB8}" type="slidenum">
               <a:rPr lang="zh-CN" altLang="en-US" smtClean="0"/>
               <a:t>‹#›</a:t>
             </a:fld>
@@ -515,7 +515,7 @@
     </p:spTree>
     <p:extLst>
       <p:ext uri="{BB962C8B-B14F-4D97-AF65-F5344CB8AC3E}">
-        <p14:creationId xmlns:p14="http://schemas.microsoft.com/office/powerpoint/2010/main" val="1335068088"/>
+        <p14:creationId xmlns:p14="http://schemas.microsoft.com/office/powerpoint/2010/main" val="1747126576"/>
       </p:ext>
     </p:extLst>
   </p:cSld>
@@ -547,7 +547,7 @@
           <p:cNvPr id="2" name="竖排标题 1">
             <a:extLst>
               <a:ext uri="{FF2B5EF4-FFF2-40B4-BE49-F238E27FC236}">
-                <a16:creationId xmlns:a16="http://schemas.microsoft.com/office/drawing/2014/main" id="{A004B296-1A0D-A863-2917-8CEF6465CCF9}"/>
+                <a16:creationId xmlns:a16="http://schemas.microsoft.com/office/drawing/2014/main" id="{2F517F9F-802E-F2DF-8CFD-6D3DD62B026E}"/>
               </a:ext>
             </a:extLst>
           </p:cNvPr>
@@ -580,7 +580,7 @@
           <p:cNvPr id="3" name="竖排文字占位符 2">
             <a:extLst>
               <a:ext uri="{FF2B5EF4-FFF2-40B4-BE49-F238E27FC236}">
-                <a16:creationId xmlns:a16="http://schemas.microsoft.com/office/drawing/2014/main" id="{3B593DBF-23EB-3851-6DD4-C61AE1642F87}"/>
+                <a16:creationId xmlns:a16="http://schemas.microsoft.com/office/drawing/2014/main" id="{C04E4812-8FF0-3E58-C187-958AA4295130}"/>
               </a:ext>
             </a:extLst>
           </p:cNvPr>
@@ -642,7 +642,7 @@
           <p:cNvPr id="4" name="日期占位符 3">
             <a:extLst>
               <a:ext uri="{FF2B5EF4-FFF2-40B4-BE49-F238E27FC236}">
-                <a16:creationId xmlns:a16="http://schemas.microsoft.com/office/drawing/2014/main" id="{924FF04F-FCDF-A374-D265-B0F742EDDBD6}"/>
+                <a16:creationId xmlns:a16="http://schemas.microsoft.com/office/drawing/2014/main" id="{42481B6E-6A70-33F1-A59F-76651D73CD3A}"/>
               </a:ext>
             </a:extLst>
           </p:cNvPr>
@@ -658,7 +658,7 @@
           <a:bodyPr/>
           <a:lstStyle/>
           <a:p>
-            <a:fld id="{72BCFEFE-2F76-4008-B55D-17669C3BB442}" type="datetimeFigureOut">
+            <a:fld id="{29AAB0CA-802A-46EC-8EA0-18A62933E987}" type="datetimeFigureOut">
               <a:rPr lang="zh-CN" altLang="en-US" smtClean="0"/>
               <a:t>2024/3/10</a:t>
             </a:fld>
@@ -671,7 +671,7 @@
           <p:cNvPr id="5" name="页脚占位符 4">
             <a:extLst>
               <a:ext uri="{FF2B5EF4-FFF2-40B4-BE49-F238E27FC236}">
-                <a16:creationId xmlns:a16="http://schemas.microsoft.com/office/drawing/2014/main" id="{58CE1463-06E9-0D0B-21AB-8973D38C1BF6}"/>
+                <a16:creationId xmlns:a16="http://schemas.microsoft.com/office/drawing/2014/main" id="{41B03BCF-9C8C-CD84-D62F-2C5374FE894E}"/>
               </a:ext>
             </a:extLst>
           </p:cNvPr>
@@ -696,7 +696,7 @@
           <p:cNvPr id="6" name="灯片编号占位符 5">
             <a:extLst>
               <a:ext uri="{FF2B5EF4-FFF2-40B4-BE49-F238E27FC236}">
-                <a16:creationId xmlns:a16="http://schemas.microsoft.com/office/drawing/2014/main" id="{B7F101D7-9BC6-2942-36C9-580F252DEF42}"/>
+                <a16:creationId xmlns:a16="http://schemas.microsoft.com/office/drawing/2014/main" id="{B7047F06-DA0F-751E-948F-906E57E86490}"/>
               </a:ext>
             </a:extLst>
           </p:cNvPr>
@@ -712,7 +712,7 @@
           <a:bodyPr/>
           <a:lstStyle/>
           <a:p>
-            <a:fld id="{769241C0-9733-4520-B002-CB129F663267}" type="slidenum">
+            <a:fld id="{A84D0467-2C8D-493D-983D-BF298A248BB8}" type="slidenum">
               <a:rPr lang="zh-CN" altLang="en-US" smtClean="0"/>
               <a:t>‹#›</a:t>
             </a:fld>
@@ -723,7 +723,7 @@
     </p:spTree>
     <p:extLst>
       <p:ext uri="{BB962C8B-B14F-4D97-AF65-F5344CB8AC3E}">
-        <p14:creationId xmlns:p14="http://schemas.microsoft.com/office/powerpoint/2010/main" val="2633737216"/>
+        <p14:creationId xmlns:p14="http://schemas.microsoft.com/office/powerpoint/2010/main" val="233956064"/>
       </p:ext>
     </p:extLst>
   </p:cSld>
@@ -755,7 +755,7 @@
           <p:cNvPr id="2" name="标题 1">
             <a:extLst>
               <a:ext uri="{FF2B5EF4-FFF2-40B4-BE49-F238E27FC236}">
-                <a16:creationId xmlns:a16="http://schemas.microsoft.com/office/drawing/2014/main" id="{3980EFAC-0B03-4F51-22E0-7C4F7F3BF713}"/>
+                <a16:creationId xmlns:a16="http://schemas.microsoft.com/office/drawing/2014/main" id="{4A749CE6-E62D-BC41-A83D-8CD008D4FB2F}"/>
               </a:ext>
             </a:extLst>
           </p:cNvPr>
@@ -783,7 +783,7 @@
           <p:cNvPr id="3" name="内容占位符 2">
             <a:extLst>
               <a:ext uri="{FF2B5EF4-FFF2-40B4-BE49-F238E27FC236}">
-                <a16:creationId xmlns:a16="http://schemas.microsoft.com/office/drawing/2014/main" id="{166CDC05-9FDB-CB7B-7228-A9D453B84D98}"/>
+                <a16:creationId xmlns:a16="http://schemas.microsoft.com/office/drawing/2014/main" id="{F427BAF3-D918-4A47-1467-99560F1D79BC}"/>
               </a:ext>
             </a:extLst>
           </p:cNvPr>
@@ -840,7 +840,7 @@
           <p:cNvPr id="4" name="日期占位符 3">
             <a:extLst>
               <a:ext uri="{FF2B5EF4-FFF2-40B4-BE49-F238E27FC236}">
-                <a16:creationId xmlns:a16="http://schemas.microsoft.com/office/drawing/2014/main" id="{78225902-FF9F-53D5-3C43-326F820D66BC}"/>
+                <a16:creationId xmlns:a16="http://schemas.microsoft.com/office/drawing/2014/main" id="{AEF47E0B-DBEF-F01D-B581-ECAC49599B1D}"/>
               </a:ext>
             </a:extLst>
           </p:cNvPr>
@@ -856,7 +856,7 @@
           <a:bodyPr/>
           <a:lstStyle/>
           <a:p>
-            <a:fld id="{72BCFEFE-2F76-4008-B55D-17669C3BB442}" type="datetimeFigureOut">
+            <a:fld id="{29AAB0CA-802A-46EC-8EA0-18A62933E987}" type="datetimeFigureOut">
               <a:rPr lang="zh-CN" altLang="en-US" smtClean="0"/>
               <a:t>2024/3/10</a:t>
             </a:fld>
@@ -869,7 +869,7 @@
           <p:cNvPr id="5" name="页脚占位符 4">
             <a:extLst>
               <a:ext uri="{FF2B5EF4-FFF2-40B4-BE49-F238E27FC236}">
-                <a16:creationId xmlns:a16="http://schemas.microsoft.com/office/drawing/2014/main" id="{568A8AFD-BD23-03DF-88C2-88764BED4081}"/>
+                <a16:creationId xmlns:a16="http://schemas.microsoft.com/office/drawing/2014/main" id="{B65BB4E2-1142-57FA-58D1-56C91F076F3B}"/>
               </a:ext>
             </a:extLst>
           </p:cNvPr>
@@ -894,7 +894,7 @@
           <p:cNvPr id="6" name="灯片编号占位符 5">
             <a:extLst>
               <a:ext uri="{FF2B5EF4-FFF2-40B4-BE49-F238E27FC236}">
-                <a16:creationId xmlns:a16="http://schemas.microsoft.com/office/drawing/2014/main" id="{58A11690-2752-CB5F-5E5D-99BFEC05DD65}"/>
+                <a16:creationId xmlns:a16="http://schemas.microsoft.com/office/drawing/2014/main" id="{6D062E89-F422-72DC-075C-1CDC4CBDC7E1}"/>
               </a:ext>
             </a:extLst>
           </p:cNvPr>
@@ -910,7 +910,7 @@
           <a:bodyPr/>
           <a:lstStyle/>
           <a:p>
-            <a:fld id="{769241C0-9733-4520-B002-CB129F663267}" type="slidenum">
+            <a:fld id="{A84D0467-2C8D-493D-983D-BF298A248BB8}" type="slidenum">
               <a:rPr lang="zh-CN" altLang="en-US" smtClean="0"/>
               <a:t>‹#›</a:t>
             </a:fld>
@@ -921,7 +921,7 @@
     </p:spTree>
     <p:extLst>
       <p:ext uri="{BB962C8B-B14F-4D97-AF65-F5344CB8AC3E}">
-        <p14:creationId xmlns:p14="http://schemas.microsoft.com/office/powerpoint/2010/main" val="3121925311"/>
+        <p14:creationId xmlns:p14="http://schemas.microsoft.com/office/powerpoint/2010/main" val="2382793188"/>
       </p:ext>
     </p:extLst>
   </p:cSld>
@@ -953,7 +953,7 @@
           <p:cNvPr id="2" name="标题 1">
             <a:extLst>
               <a:ext uri="{FF2B5EF4-FFF2-40B4-BE49-F238E27FC236}">
-                <a16:creationId xmlns:a16="http://schemas.microsoft.com/office/drawing/2014/main" id="{6F54E4E2-1451-F491-995D-500E5BDBEEA7}"/>
+                <a16:creationId xmlns:a16="http://schemas.microsoft.com/office/drawing/2014/main" id="{EB078705-5E34-1A6D-325B-764C4CFD7C0E}"/>
               </a:ext>
             </a:extLst>
           </p:cNvPr>
@@ -990,7 +990,7 @@
           <p:cNvPr id="3" name="文本占位符 2">
             <a:extLst>
               <a:ext uri="{FF2B5EF4-FFF2-40B4-BE49-F238E27FC236}">
-                <a16:creationId xmlns:a16="http://schemas.microsoft.com/office/drawing/2014/main" id="{90FA7F1A-97DF-2346-8798-04186E9270F2}"/>
+                <a16:creationId xmlns:a16="http://schemas.microsoft.com/office/drawing/2014/main" id="{1D632917-5195-8243-EA3D-A80CE207E96C}"/>
               </a:ext>
             </a:extLst>
           </p:cNvPr>
@@ -1115,7 +1115,7 @@
           <p:cNvPr id="4" name="日期占位符 3">
             <a:extLst>
               <a:ext uri="{FF2B5EF4-FFF2-40B4-BE49-F238E27FC236}">
-                <a16:creationId xmlns:a16="http://schemas.microsoft.com/office/drawing/2014/main" id="{4BE1B916-BA1D-7184-C3C3-BD8A71DBA704}"/>
+                <a16:creationId xmlns:a16="http://schemas.microsoft.com/office/drawing/2014/main" id="{FD24F5E2-D0E4-78E6-7412-B9208DA6EC0D}"/>
               </a:ext>
             </a:extLst>
           </p:cNvPr>
@@ -1131,7 +1131,7 @@
           <a:bodyPr/>
           <a:lstStyle/>
           <a:p>
-            <a:fld id="{72BCFEFE-2F76-4008-B55D-17669C3BB442}" type="datetimeFigureOut">
+            <a:fld id="{29AAB0CA-802A-46EC-8EA0-18A62933E987}" type="datetimeFigureOut">
               <a:rPr lang="zh-CN" altLang="en-US" smtClean="0"/>
               <a:t>2024/3/10</a:t>
             </a:fld>
@@ -1144,7 +1144,7 @@
           <p:cNvPr id="5" name="页脚占位符 4">
             <a:extLst>
               <a:ext uri="{FF2B5EF4-FFF2-40B4-BE49-F238E27FC236}">
-                <a16:creationId xmlns:a16="http://schemas.microsoft.com/office/drawing/2014/main" id="{8EEA83A9-D9B8-46D2-5406-50D299709EC7}"/>
+                <a16:creationId xmlns:a16="http://schemas.microsoft.com/office/drawing/2014/main" id="{D7320B73-2A98-15FB-A33A-21C59D60F95D}"/>
               </a:ext>
             </a:extLst>
           </p:cNvPr>
@@ -1169,7 +1169,7 @@
           <p:cNvPr id="6" name="灯片编号占位符 5">
             <a:extLst>
               <a:ext uri="{FF2B5EF4-FFF2-40B4-BE49-F238E27FC236}">
-                <a16:creationId xmlns:a16="http://schemas.microsoft.com/office/drawing/2014/main" id="{30F3AA52-0E51-8198-92A7-F854D7F14C33}"/>
+                <a16:creationId xmlns:a16="http://schemas.microsoft.com/office/drawing/2014/main" id="{79833E12-0C26-6FAF-454B-07AA56F3989F}"/>
               </a:ext>
             </a:extLst>
           </p:cNvPr>
@@ -1185,7 +1185,7 @@
           <a:bodyPr/>
           <a:lstStyle/>
           <a:p>
-            <a:fld id="{769241C0-9733-4520-B002-CB129F663267}" type="slidenum">
+            <a:fld id="{A84D0467-2C8D-493D-983D-BF298A248BB8}" type="slidenum">
               <a:rPr lang="zh-CN" altLang="en-US" smtClean="0"/>
               <a:t>‹#›</a:t>
             </a:fld>
@@ -1196,7 +1196,7 @@
     </p:spTree>
     <p:extLst>
       <p:ext uri="{BB962C8B-B14F-4D97-AF65-F5344CB8AC3E}">
-        <p14:creationId xmlns:p14="http://schemas.microsoft.com/office/powerpoint/2010/main" val="2764639551"/>
+        <p14:creationId xmlns:p14="http://schemas.microsoft.com/office/powerpoint/2010/main" val="1317492977"/>
       </p:ext>
     </p:extLst>
   </p:cSld>
@@ -1228,7 +1228,7 @@
           <p:cNvPr id="2" name="标题 1">
             <a:extLst>
               <a:ext uri="{FF2B5EF4-FFF2-40B4-BE49-F238E27FC236}">
-                <a16:creationId xmlns:a16="http://schemas.microsoft.com/office/drawing/2014/main" id="{DF1EC489-17B0-C265-E2F7-8B3230D72120}"/>
+                <a16:creationId xmlns:a16="http://schemas.microsoft.com/office/drawing/2014/main" id="{FFE48074-2E20-C01C-B993-89CBC031DDA8}"/>
               </a:ext>
             </a:extLst>
           </p:cNvPr>
@@ -1256,7 +1256,7 @@
           <p:cNvPr id="3" name="内容占位符 2">
             <a:extLst>
               <a:ext uri="{FF2B5EF4-FFF2-40B4-BE49-F238E27FC236}">
-                <a16:creationId xmlns:a16="http://schemas.microsoft.com/office/drawing/2014/main" id="{1789B88C-FB6B-E90A-DEE3-94A5AD9366AD}"/>
+                <a16:creationId xmlns:a16="http://schemas.microsoft.com/office/drawing/2014/main" id="{BDEF74D5-2C27-B376-279E-E35C326BAB26}"/>
               </a:ext>
             </a:extLst>
           </p:cNvPr>
@@ -1318,7 +1318,7 @@
           <p:cNvPr id="4" name="内容占位符 3">
             <a:extLst>
               <a:ext uri="{FF2B5EF4-FFF2-40B4-BE49-F238E27FC236}">
-                <a16:creationId xmlns:a16="http://schemas.microsoft.com/office/drawing/2014/main" id="{97F62F4F-63A7-9196-19A6-192A25C71BDD}"/>
+                <a16:creationId xmlns:a16="http://schemas.microsoft.com/office/drawing/2014/main" id="{519E724F-129B-D0D1-92A3-2BDBF2BEF44A}"/>
               </a:ext>
             </a:extLst>
           </p:cNvPr>
@@ -1380,7 +1380,7 @@
           <p:cNvPr id="5" name="日期占位符 4">
             <a:extLst>
               <a:ext uri="{FF2B5EF4-FFF2-40B4-BE49-F238E27FC236}">
-                <a16:creationId xmlns:a16="http://schemas.microsoft.com/office/drawing/2014/main" id="{885390D7-05DB-6A00-D019-A732CD35D82B}"/>
+                <a16:creationId xmlns:a16="http://schemas.microsoft.com/office/drawing/2014/main" id="{E3AB2EE0-E7C5-1F9C-B4CE-53DFB12204E5}"/>
               </a:ext>
             </a:extLst>
           </p:cNvPr>
@@ -1396,7 +1396,7 @@
           <a:bodyPr/>
           <a:lstStyle/>
           <a:p>
-            <a:fld id="{72BCFEFE-2F76-4008-B55D-17669C3BB442}" type="datetimeFigureOut">
+            <a:fld id="{29AAB0CA-802A-46EC-8EA0-18A62933E987}" type="datetimeFigureOut">
               <a:rPr lang="zh-CN" altLang="en-US" smtClean="0"/>
               <a:t>2024/3/10</a:t>
             </a:fld>
@@ -1409,7 +1409,7 @@
           <p:cNvPr id="6" name="页脚占位符 5">
             <a:extLst>
               <a:ext uri="{FF2B5EF4-FFF2-40B4-BE49-F238E27FC236}">
-                <a16:creationId xmlns:a16="http://schemas.microsoft.com/office/drawing/2014/main" id="{182A056F-EE01-CA6F-A3DB-43CE5CB6F26A}"/>
+                <a16:creationId xmlns:a16="http://schemas.microsoft.com/office/drawing/2014/main" id="{BD1BE160-E0A0-A4AB-3C27-69959D0750C7}"/>
               </a:ext>
             </a:extLst>
           </p:cNvPr>
@@ -1434,7 +1434,7 @@
           <p:cNvPr id="7" name="灯片编号占位符 6">
             <a:extLst>
               <a:ext uri="{FF2B5EF4-FFF2-40B4-BE49-F238E27FC236}">
-                <a16:creationId xmlns:a16="http://schemas.microsoft.com/office/drawing/2014/main" id="{DB642BE0-67D3-1BD9-611A-8AB74F67BD60}"/>
+                <a16:creationId xmlns:a16="http://schemas.microsoft.com/office/drawing/2014/main" id="{9F7C0882-C835-7A30-A178-21F71F23DCCC}"/>
               </a:ext>
             </a:extLst>
           </p:cNvPr>
@@ -1450,7 +1450,7 @@
           <a:bodyPr/>
           <a:lstStyle/>
           <a:p>
-            <a:fld id="{769241C0-9733-4520-B002-CB129F663267}" type="slidenum">
+            <a:fld id="{A84D0467-2C8D-493D-983D-BF298A248BB8}" type="slidenum">
               <a:rPr lang="zh-CN" altLang="en-US" smtClean="0"/>
               <a:t>‹#›</a:t>
             </a:fld>
@@ -1461,7 +1461,7 @@
     </p:spTree>
     <p:extLst>
       <p:ext uri="{BB962C8B-B14F-4D97-AF65-F5344CB8AC3E}">
-        <p14:creationId xmlns:p14="http://schemas.microsoft.com/office/powerpoint/2010/main" val="2483370412"/>
+        <p14:creationId xmlns:p14="http://schemas.microsoft.com/office/powerpoint/2010/main" val="1492710516"/>
       </p:ext>
     </p:extLst>
   </p:cSld>
@@ -1493,7 +1493,7 @@
           <p:cNvPr id="2" name="标题 1">
             <a:extLst>
               <a:ext uri="{FF2B5EF4-FFF2-40B4-BE49-F238E27FC236}">
-                <a16:creationId xmlns:a16="http://schemas.microsoft.com/office/drawing/2014/main" id="{F78D9E9E-B460-995C-C40B-5D1AA78D39B3}"/>
+                <a16:creationId xmlns:a16="http://schemas.microsoft.com/office/drawing/2014/main" id="{00F72D6B-59FA-73BD-BF40-86447147E868}"/>
               </a:ext>
             </a:extLst>
           </p:cNvPr>
@@ -1526,7 +1526,7 @@
           <p:cNvPr id="3" name="文本占位符 2">
             <a:extLst>
               <a:ext uri="{FF2B5EF4-FFF2-40B4-BE49-F238E27FC236}">
-                <a16:creationId xmlns:a16="http://schemas.microsoft.com/office/drawing/2014/main" id="{27FA58C0-1DA6-6E1F-B0E4-6FDB3036B97F}"/>
+                <a16:creationId xmlns:a16="http://schemas.microsoft.com/office/drawing/2014/main" id="{984E7137-D803-D42D-439A-5A040A31BB54}"/>
               </a:ext>
             </a:extLst>
           </p:cNvPr>
@@ -1597,7 +1597,7 @@
           <p:cNvPr id="4" name="内容占位符 3">
             <a:extLst>
               <a:ext uri="{FF2B5EF4-FFF2-40B4-BE49-F238E27FC236}">
-                <a16:creationId xmlns:a16="http://schemas.microsoft.com/office/drawing/2014/main" id="{1BAA4A9B-A4B7-BDD4-9DD1-2C2F91F23F85}"/>
+                <a16:creationId xmlns:a16="http://schemas.microsoft.com/office/drawing/2014/main" id="{AA222841-C548-4144-0D48-F565E58CE010}"/>
               </a:ext>
             </a:extLst>
           </p:cNvPr>
@@ -1659,7 +1659,7 @@
           <p:cNvPr id="5" name="文本占位符 4">
             <a:extLst>
               <a:ext uri="{FF2B5EF4-FFF2-40B4-BE49-F238E27FC236}">
-                <a16:creationId xmlns:a16="http://schemas.microsoft.com/office/drawing/2014/main" id="{FD4D61C2-72C8-0A44-A131-C35EB2537C7D}"/>
+                <a16:creationId xmlns:a16="http://schemas.microsoft.com/office/drawing/2014/main" id="{31E5BD64-0803-AFD4-F593-755BDE438384}"/>
               </a:ext>
             </a:extLst>
           </p:cNvPr>
@@ -1730,7 +1730,7 @@
           <p:cNvPr id="6" name="内容占位符 5">
             <a:extLst>
               <a:ext uri="{FF2B5EF4-FFF2-40B4-BE49-F238E27FC236}">
-                <a16:creationId xmlns:a16="http://schemas.microsoft.com/office/drawing/2014/main" id="{4F475D77-6B0A-A488-CA53-CD3F252AD7FF}"/>
+                <a16:creationId xmlns:a16="http://schemas.microsoft.com/office/drawing/2014/main" id="{F0B1FE38-3C86-5C0C-3DE6-FE37E3B2D9A3}"/>
               </a:ext>
             </a:extLst>
           </p:cNvPr>
@@ -1792,7 +1792,7 @@
           <p:cNvPr id="7" name="日期占位符 6">
             <a:extLst>
               <a:ext uri="{FF2B5EF4-FFF2-40B4-BE49-F238E27FC236}">
-                <a16:creationId xmlns:a16="http://schemas.microsoft.com/office/drawing/2014/main" id="{09D49A1E-CA00-5DC1-7D9A-7644D55CA662}"/>
+                <a16:creationId xmlns:a16="http://schemas.microsoft.com/office/drawing/2014/main" id="{6C49F929-1264-DA61-582F-EE35D969863A}"/>
               </a:ext>
             </a:extLst>
           </p:cNvPr>
@@ -1808,7 +1808,7 @@
           <a:bodyPr/>
           <a:lstStyle/>
           <a:p>
-            <a:fld id="{72BCFEFE-2F76-4008-B55D-17669C3BB442}" type="datetimeFigureOut">
+            <a:fld id="{29AAB0CA-802A-46EC-8EA0-18A62933E987}" type="datetimeFigureOut">
               <a:rPr lang="zh-CN" altLang="en-US" smtClean="0"/>
               <a:t>2024/3/10</a:t>
             </a:fld>
@@ -1821,7 +1821,7 @@
           <p:cNvPr id="8" name="页脚占位符 7">
             <a:extLst>
               <a:ext uri="{FF2B5EF4-FFF2-40B4-BE49-F238E27FC236}">
-                <a16:creationId xmlns:a16="http://schemas.microsoft.com/office/drawing/2014/main" id="{70661286-A2B1-4147-B026-CB25EB2E6D7F}"/>
+                <a16:creationId xmlns:a16="http://schemas.microsoft.com/office/drawing/2014/main" id="{6A0EE21C-9495-6D7C-2368-8D3D78ACA14A}"/>
               </a:ext>
             </a:extLst>
           </p:cNvPr>
@@ -1846,7 +1846,7 @@
           <p:cNvPr id="9" name="灯片编号占位符 8">
             <a:extLst>
               <a:ext uri="{FF2B5EF4-FFF2-40B4-BE49-F238E27FC236}">
-                <a16:creationId xmlns:a16="http://schemas.microsoft.com/office/drawing/2014/main" id="{C0836E6C-7AFF-4CE6-8FAE-4C86F6F98205}"/>
+                <a16:creationId xmlns:a16="http://schemas.microsoft.com/office/drawing/2014/main" id="{69BF9C02-0095-753A-8A18-3C1C58AB0F50}"/>
               </a:ext>
             </a:extLst>
           </p:cNvPr>
@@ -1862,7 +1862,7 @@
           <a:bodyPr/>
           <a:lstStyle/>
           <a:p>
-            <a:fld id="{769241C0-9733-4520-B002-CB129F663267}" type="slidenum">
+            <a:fld id="{A84D0467-2C8D-493D-983D-BF298A248BB8}" type="slidenum">
               <a:rPr lang="zh-CN" altLang="en-US" smtClean="0"/>
               <a:t>‹#›</a:t>
             </a:fld>
@@ -1873,7 +1873,7 @@
     </p:spTree>
     <p:extLst>
       <p:ext uri="{BB962C8B-B14F-4D97-AF65-F5344CB8AC3E}">
-        <p14:creationId xmlns:p14="http://schemas.microsoft.com/office/powerpoint/2010/main" val="2760228298"/>
+        <p14:creationId xmlns:p14="http://schemas.microsoft.com/office/powerpoint/2010/main" val="713157285"/>
       </p:ext>
     </p:extLst>
   </p:cSld>
@@ -1905,7 +1905,7 @@
           <p:cNvPr id="2" name="标题 1">
             <a:extLst>
               <a:ext uri="{FF2B5EF4-FFF2-40B4-BE49-F238E27FC236}">
-                <a16:creationId xmlns:a16="http://schemas.microsoft.com/office/drawing/2014/main" id="{17B66D9A-F2EB-09B1-E01A-6BF8A80CD055}"/>
+                <a16:creationId xmlns:a16="http://schemas.microsoft.com/office/drawing/2014/main" id="{43DBAE53-3A5C-3352-207F-93D15367516D}"/>
               </a:ext>
             </a:extLst>
           </p:cNvPr>
@@ -1933,7 +1933,7 @@
           <p:cNvPr id="3" name="日期占位符 2">
             <a:extLst>
               <a:ext uri="{FF2B5EF4-FFF2-40B4-BE49-F238E27FC236}">
-                <a16:creationId xmlns:a16="http://schemas.microsoft.com/office/drawing/2014/main" id="{B792387F-57E2-B133-AD09-A854ABC16626}"/>
+                <a16:creationId xmlns:a16="http://schemas.microsoft.com/office/drawing/2014/main" id="{CC1BFEEE-717F-F9BC-654B-A815ED425DB8}"/>
               </a:ext>
             </a:extLst>
           </p:cNvPr>
@@ -1949,7 +1949,7 @@
           <a:bodyPr/>
           <a:lstStyle/>
           <a:p>
-            <a:fld id="{72BCFEFE-2F76-4008-B55D-17669C3BB442}" type="datetimeFigureOut">
+            <a:fld id="{29AAB0CA-802A-46EC-8EA0-18A62933E987}" type="datetimeFigureOut">
               <a:rPr lang="zh-CN" altLang="en-US" smtClean="0"/>
               <a:t>2024/3/10</a:t>
             </a:fld>
@@ -1962,7 +1962,7 @@
           <p:cNvPr id="4" name="页脚占位符 3">
             <a:extLst>
               <a:ext uri="{FF2B5EF4-FFF2-40B4-BE49-F238E27FC236}">
-                <a16:creationId xmlns:a16="http://schemas.microsoft.com/office/drawing/2014/main" id="{50A9E857-F68A-24DF-1871-565EC58278B9}"/>
+                <a16:creationId xmlns:a16="http://schemas.microsoft.com/office/drawing/2014/main" id="{D63D600A-D83A-6EEB-462C-83628C60AFE6}"/>
               </a:ext>
             </a:extLst>
           </p:cNvPr>
@@ -1987,7 +1987,7 @@
           <p:cNvPr id="5" name="灯片编号占位符 4">
             <a:extLst>
               <a:ext uri="{FF2B5EF4-FFF2-40B4-BE49-F238E27FC236}">
-                <a16:creationId xmlns:a16="http://schemas.microsoft.com/office/drawing/2014/main" id="{705AD9E1-CD2D-9BA4-3070-96F93179D051}"/>
+                <a16:creationId xmlns:a16="http://schemas.microsoft.com/office/drawing/2014/main" id="{A943554D-789D-A884-1B2B-41FCA9BAA1B9}"/>
               </a:ext>
             </a:extLst>
           </p:cNvPr>
@@ -2003,7 +2003,7 @@
           <a:bodyPr/>
           <a:lstStyle/>
           <a:p>
-            <a:fld id="{769241C0-9733-4520-B002-CB129F663267}" type="slidenum">
+            <a:fld id="{A84D0467-2C8D-493D-983D-BF298A248BB8}" type="slidenum">
               <a:rPr lang="zh-CN" altLang="en-US" smtClean="0"/>
               <a:t>‹#›</a:t>
             </a:fld>
@@ -2014,7 +2014,7 @@
     </p:spTree>
     <p:extLst>
       <p:ext uri="{BB962C8B-B14F-4D97-AF65-F5344CB8AC3E}">
-        <p14:creationId xmlns:p14="http://schemas.microsoft.com/office/powerpoint/2010/main" val="306679504"/>
+        <p14:creationId xmlns:p14="http://schemas.microsoft.com/office/powerpoint/2010/main" val="2243440620"/>
       </p:ext>
     </p:extLst>
   </p:cSld>
@@ -2046,7 +2046,7 @@
           <p:cNvPr id="2" name="日期占位符 1">
             <a:extLst>
               <a:ext uri="{FF2B5EF4-FFF2-40B4-BE49-F238E27FC236}">
-                <a16:creationId xmlns:a16="http://schemas.microsoft.com/office/drawing/2014/main" id="{03C2B67E-B395-C769-F182-5408B4AC7390}"/>
+                <a16:creationId xmlns:a16="http://schemas.microsoft.com/office/drawing/2014/main" id="{C255CE07-985B-ACCF-7B11-57E79F751CE2}"/>
               </a:ext>
             </a:extLst>
           </p:cNvPr>
@@ -2062,7 +2062,7 @@
           <a:bodyPr/>
           <a:lstStyle/>
           <a:p>
-            <a:fld id="{72BCFEFE-2F76-4008-B55D-17669C3BB442}" type="datetimeFigureOut">
+            <a:fld id="{29AAB0CA-802A-46EC-8EA0-18A62933E987}" type="datetimeFigureOut">
               <a:rPr lang="zh-CN" altLang="en-US" smtClean="0"/>
               <a:t>2024/3/10</a:t>
             </a:fld>
@@ -2075,7 +2075,7 @@
           <p:cNvPr id="3" name="页脚占位符 2">
             <a:extLst>
               <a:ext uri="{FF2B5EF4-FFF2-40B4-BE49-F238E27FC236}">
-                <a16:creationId xmlns:a16="http://schemas.microsoft.com/office/drawing/2014/main" id="{FE5871E4-A02A-14C9-DC20-FEE62D353DE6}"/>
+                <a16:creationId xmlns:a16="http://schemas.microsoft.com/office/drawing/2014/main" id="{2FAE8F5A-156D-0068-3364-FF50165EF4B3}"/>
               </a:ext>
             </a:extLst>
           </p:cNvPr>
@@ -2100,7 +2100,7 @@
           <p:cNvPr id="4" name="灯片编号占位符 3">
             <a:extLst>
               <a:ext uri="{FF2B5EF4-FFF2-40B4-BE49-F238E27FC236}">
-                <a16:creationId xmlns:a16="http://schemas.microsoft.com/office/drawing/2014/main" id="{3F8AE239-99F5-613D-345A-B1AB409207ED}"/>
+                <a16:creationId xmlns:a16="http://schemas.microsoft.com/office/drawing/2014/main" id="{34174AD3-29A8-49B3-87FC-9B1E4729E611}"/>
               </a:ext>
             </a:extLst>
           </p:cNvPr>
@@ -2116,7 +2116,7 @@
           <a:bodyPr/>
           <a:lstStyle/>
           <a:p>
-            <a:fld id="{769241C0-9733-4520-B002-CB129F663267}" type="slidenum">
+            <a:fld id="{A84D0467-2C8D-493D-983D-BF298A248BB8}" type="slidenum">
               <a:rPr lang="zh-CN" altLang="en-US" smtClean="0"/>
               <a:t>‹#›</a:t>
             </a:fld>
@@ -2127,7 +2127,7 @@
     </p:spTree>
     <p:extLst>
       <p:ext uri="{BB962C8B-B14F-4D97-AF65-F5344CB8AC3E}">
-        <p14:creationId xmlns:p14="http://schemas.microsoft.com/office/powerpoint/2010/main" val="346162127"/>
+        <p14:creationId xmlns:p14="http://schemas.microsoft.com/office/powerpoint/2010/main" val="1371657851"/>
       </p:ext>
     </p:extLst>
   </p:cSld>
@@ -2159,7 +2159,7 @@
           <p:cNvPr id="2" name="标题 1">
             <a:extLst>
               <a:ext uri="{FF2B5EF4-FFF2-40B4-BE49-F238E27FC236}">
-                <a16:creationId xmlns:a16="http://schemas.microsoft.com/office/drawing/2014/main" id="{B010F146-C5EA-E317-56BF-0771D1830D51}"/>
+                <a16:creationId xmlns:a16="http://schemas.microsoft.com/office/drawing/2014/main" id="{356194DD-87F0-0740-70F4-8FA11E5119F4}"/>
               </a:ext>
             </a:extLst>
           </p:cNvPr>
@@ -2196,7 +2196,7 @@
           <p:cNvPr id="3" name="内容占位符 2">
             <a:extLst>
               <a:ext uri="{FF2B5EF4-FFF2-40B4-BE49-F238E27FC236}">
-                <a16:creationId xmlns:a16="http://schemas.microsoft.com/office/drawing/2014/main" id="{32128EBA-6D68-3E3A-5629-FB13C98A7E95}"/>
+                <a16:creationId xmlns:a16="http://schemas.microsoft.com/office/drawing/2014/main" id="{80DBD9CD-4D8A-A977-6FF1-E933310FF9D3}"/>
               </a:ext>
             </a:extLst>
           </p:cNvPr>
@@ -2286,7 +2286,7 @@
           <p:cNvPr id="4" name="文本占位符 3">
             <a:extLst>
               <a:ext uri="{FF2B5EF4-FFF2-40B4-BE49-F238E27FC236}">
-                <a16:creationId xmlns:a16="http://schemas.microsoft.com/office/drawing/2014/main" id="{F67746BE-16F0-7581-BACC-48EC00EFF4F2}"/>
+                <a16:creationId xmlns:a16="http://schemas.microsoft.com/office/drawing/2014/main" id="{3D399596-8114-D616-069B-CDDDF71845C3}"/>
               </a:ext>
             </a:extLst>
           </p:cNvPr>
@@ -2357,7 +2357,7 @@
           <p:cNvPr id="5" name="日期占位符 4">
             <a:extLst>
               <a:ext uri="{FF2B5EF4-FFF2-40B4-BE49-F238E27FC236}">
-                <a16:creationId xmlns:a16="http://schemas.microsoft.com/office/drawing/2014/main" id="{B000CD6C-40DF-A323-C15E-72FF9DF5B3E3}"/>
+                <a16:creationId xmlns:a16="http://schemas.microsoft.com/office/drawing/2014/main" id="{4A6834BB-B80C-2066-11B6-C3BF780E4CBD}"/>
               </a:ext>
             </a:extLst>
           </p:cNvPr>
@@ -2373,7 +2373,7 @@
           <a:bodyPr/>
           <a:lstStyle/>
           <a:p>
-            <a:fld id="{72BCFEFE-2F76-4008-B55D-17669C3BB442}" type="datetimeFigureOut">
+            <a:fld id="{29AAB0CA-802A-46EC-8EA0-18A62933E987}" type="datetimeFigureOut">
               <a:rPr lang="zh-CN" altLang="en-US" smtClean="0"/>
               <a:t>2024/3/10</a:t>
             </a:fld>
@@ -2386,7 +2386,7 @@
           <p:cNvPr id="6" name="页脚占位符 5">
             <a:extLst>
               <a:ext uri="{FF2B5EF4-FFF2-40B4-BE49-F238E27FC236}">
-                <a16:creationId xmlns:a16="http://schemas.microsoft.com/office/drawing/2014/main" id="{F3857A03-F02A-402D-3FF6-407810B5C4F6}"/>
+                <a16:creationId xmlns:a16="http://schemas.microsoft.com/office/drawing/2014/main" id="{1BA7E14C-32D2-1131-5144-D278AD1691B7}"/>
               </a:ext>
             </a:extLst>
           </p:cNvPr>
@@ -2411,7 +2411,7 @@
           <p:cNvPr id="7" name="灯片编号占位符 6">
             <a:extLst>
               <a:ext uri="{FF2B5EF4-FFF2-40B4-BE49-F238E27FC236}">
-                <a16:creationId xmlns:a16="http://schemas.microsoft.com/office/drawing/2014/main" id="{8FE2BC34-2787-1C72-3B4C-44FD8596628D}"/>
+                <a16:creationId xmlns:a16="http://schemas.microsoft.com/office/drawing/2014/main" id="{10E86B1D-F151-334E-6186-4A12771B7CFF}"/>
               </a:ext>
             </a:extLst>
           </p:cNvPr>
@@ -2427,7 +2427,7 @@
           <a:bodyPr/>
           <a:lstStyle/>
           <a:p>
-            <a:fld id="{769241C0-9733-4520-B002-CB129F663267}" type="slidenum">
+            <a:fld id="{A84D0467-2C8D-493D-983D-BF298A248BB8}" type="slidenum">
               <a:rPr lang="zh-CN" altLang="en-US" smtClean="0"/>
               <a:t>‹#›</a:t>
             </a:fld>
@@ -2438,7 +2438,7 @@
     </p:spTree>
     <p:extLst>
       <p:ext uri="{BB962C8B-B14F-4D97-AF65-F5344CB8AC3E}">
-        <p14:creationId xmlns:p14="http://schemas.microsoft.com/office/powerpoint/2010/main" val="1425649491"/>
+        <p14:creationId xmlns:p14="http://schemas.microsoft.com/office/powerpoint/2010/main" val="1575926070"/>
       </p:ext>
     </p:extLst>
   </p:cSld>
@@ -2470,7 +2470,7 @@
           <p:cNvPr id="2" name="标题 1">
             <a:extLst>
               <a:ext uri="{FF2B5EF4-FFF2-40B4-BE49-F238E27FC236}">
-                <a16:creationId xmlns:a16="http://schemas.microsoft.com/office/drawing/2014/main" id="{DC29D0E9-79F3-0AF9-6A92-B31905492A39}"/>
+                <a16:creationId xmlns:a16="http://schemas.microsoft.com/office/drawing/2014/main" id="{E85C1EDC-BDB6-6192-3D38-95CF30C9D848}"/>
               </a:ext>
             </a:extLst>
           </p:cNvPr>
@@ -2507,7 +2507,7 @@
           <p:cNvPr id="3" name="图片占位符 2">
             <a:extLst>
               <a:ext uri="{FF2B5EF4-FFF2-40B4-BE49-F238E27FC236}">
-                <a16:creationId xmlns:a16="http://schemas.microsoft.com/office/drawing/2014/main" id="{068BB5DE-80A6-B691-A25C-AD6F82666E89}"/>
+                <a16:creationId xmlns:a16="http://schemas.microsoft.com/office/drawing/2014/main" id="{5A66174A-0603-0282-D6CA-E1E31E4FE0E0}"/>
               </a:ext>
             </a:extLst>
           </p:cNvPr>
@@ -2574,7 +2574,7 @@
           <p:cNvPr id="4" name="文本占位符 3">
             <a:extLst>
               <a:ext uri="{FF2B5EF4-FFF2-40B4-BE49-F238E27FC236}">
-                <a16:creationId xmlns:a16="http://schemas.microsoft.com/office/drawing/2014/main" id="{845F8820-7623-C86A-FE0F-93102EAA8E8D}"/>
+                <a16:creationId xmlns:a16="http://schemas.microsoft.com/office/drawing/2014/main" id="{0E06514A-2CE3-E150-C2E5-D58419E5AC8A}"/>
               </a:ext>
             </a:extLst>
           </p:cNvPr>
@@ -2645,7 +2645,7 @@
           <p:cNvPr id="5" name="日期占位符 4">
             <a:extLst>
               <a:ext uri="{FF2B5EF4-FFF2-40B4-BE49-F238E27FC236}">
-                <a16:creationId xmlns:a16="http://schemas.microsoft.com/office/drawing/2014/main" id="{89BC12DE-330B-99FE-E03C-757D74529785}"/>
+                <a16:creationId xmlns:a16="http://schemas.microsoft.com/office/drawing/2014/main" id="{3A72755E-D5D5-A257-E4F7-10BAF0F8BA68}"/>
               </a:ext>
             </a:extLst>
           </p:cNvPr>
@@ -2661,7 +2661,7 @@
           <a:bodyPr/>
           <a:lstStyle/>
           <a:p>
-            <a:fld id="{72BCFEFE-2F76-4008-B55D-17669C3BB442}" type="datetimeFigureOut">
+            <a:fld id="{29AAB0CA-802A-46EC-8EA0-18A62933E987}" type="datetimeFigureOut">
               <a:rPr lang="zh-CN" altLang="en-US" smtClean="0"/>
               <a:t>2024/3/10</a:t>
             </a:fld>
@@ -2674,7 +2674,7 @@
           <p:cNvPr id="6" name="页脚占位符 5">
             <a:extLst>
               <a:ext uri="{FF2B5EF4-FFF2-40B4-BE49-F238E27FC236}">
-                <a16:creationId xmlns:a16="http://schemas.microsoft.com/office/drawing/2014/main" id="{333659BD-879A-3E31-5670-136A8398B3C6}"/>
+                <a16:creationId xmlns:a16="http://schemas.microsoft.com/office/drawing/2014/main" id="{EF0597A4-1A5A-FE59-D01E-0C0045FABCEC}"/>
               </a:ext>
             </a:extLst>
           </p:cNvPr>
@@ -2699,7 +2699,7 @@
           <p:cNvPr id="7" name="灯片编号占位符 6">
             <a:extLst>
               <a:ext uri="{FF2B5EF4-FFF2-40B4-BE49-F238E27FC236}">
-                <a16:creationId xmlns:a16="http://schemas.microsoft.com/office/drawing/2014/main" id="{242FA7F6-C028-52ED-0A51-CB8878B60852}"/>
+                <a16:creationId xmlns:a16="http://schemas.microsoft.com/office/drawing/2014/main" id="{9B0E2A25-4BE1-A69A-951C-88B517AE62E1}"/>
               </a:ext>
             </a:extLst>
           </p:cNvPr>
@@ -2715,7 +2715,7 @@
           <a:bodyPr/>
           <a:lstStyle/>
           <a:p>
-            <a:fld id="{769241C0-9733-4520-B002-CB129F663267}" type="slidenum">
+            <a:fld id="{A84D0467-2C8D-493D-983D-BF298A248BB8}" type="slidenum">
               <a:rPr lang="zh-CN" altLang="en-US" smtClean="0"/>
               <a:t>‹#›</a:t>
             </a:fld>
@@ -2726,7 +2726,7 @@
     </p:spTree>
     <p:extLst>
       <p:ext uri="{BB962C8B-B14F-4D97-AF65-F5344CB8AC3E}">
-        <p14:creationId xmlns:p14="http://schemas.microsoft.com/office/powerpoint/2010/main" val="4253811996"/>
+        <p14:creationId xmlns:p14="http://schemas.microsoft.com/office/powerpoint/2010/main" val="659933944"/>
       </p:ext>
     </p:extLst>
   </p:cSld>
@@ -2763,7 +2763,7 @@
           <p:cNvPr id="2" name="标题占位符 1">
             <a:extLst>
               <a:ext uri="{FF2B5EF4-FFF2-40B4-BE49-F238E27FC236}">
-                <a16:creationId xmlns:a16="http://schemas.microsoft.com/office/drawing/2014/main" id="{47007A47-6BBF-6F2C-0F0B-882D9704BA5A}"/>
+                <a16:creationId xmlns:a16="http://schemas.microsoft.com/office/drawing/2014/main" id="{D6295D54-B2ED-FEC5-A66F-30A400889705}"/>
               </a:ext>
             </a:extLst>
           </p:cNvPr>
@@ -2801,7 +2801,7 @@
           <p:cNvPr id="3" name="文本占位符 2">
             <a:extLst>
               <a:ext uri="{FF2B5EF4-FFF2-40B4-BE49-F238E27FC236}">
-                <a16:creationId xmlns:a16="http://schemas.microsoft.com/office/drawing/2014/main" id="{CAADE863-C84A-C7DB-14D4-41FF6DE7E5DD}"/>
+                <a16:creationId xmlns:a16="http://schemas.microsoft.com/office/drawing/2014/main" id="{715F956D-4B30-A3E6-75A0-ABE8AB945B6D}"/>
               </a:ext>
             </a:extLst>
           </p:cNvPr>
@@ -2868,7 +2868,7 @@
           <p:cNvPr id="4" name="日期占位符 3">
             <a:extLst>
               <a:ext uri="{FF2B5EF4-FFF2-40B4-BE49-F238E27FC236}">
-                <a16:creationId xmlns:a16="http://schemas.microsoft.com/office/drawing/2014/main" id="{0378A135-C91F-6C5F-E6EC-86942A5BA865}"/>
+                <a16:creationId xmlns:a16="http://schemas.microsoft.com/office/drawing/2014/main" id="{B1DEFC29-01A3-E1B9-91B7-C0038F35C96C}"/>
               </a:ext>
             </a:extLst>
           </p:cNvPr>
@@ -2902,7 +2902,7 @@
             </a:lvl1pPr>
           </a:lstStyle>
           <a:p>
-            <a:fld id="{72BCFEFE-2F76-4008-B55D-17669C3BB442}" type="datetimeFigureOut">
+            <a:fld id="{29AAB0CA-802A-46EC-8EA0-18A62933E987}" type="datetimeFigureOut">
               <a:rPr lang="zh-CN" altLang="en-US" smtClean="0"/>
               <a:t>2024/3/10</a:t>
             </a:fld>
@@ -2915,7 +2915,7 @@
           <p:cNvPr id="5" name="页脚占位符 4">
             <a:extLst>
               <a:ext uri="{FF2B5EF4-FFF2-40B4-BE49-F238E27FC236}">
-                <a16:creationId xmlns:a16="http://schemas.microsoft.com/office/drawing/2014/main" id="{567B9252-3F99-A200-DAA4-53B740D25917}"/>
+                <a16:creationId xmlns:a16="http://schemas.microsoft.com/office/drawing/2014/main" id="{BC02DDC0-55D4-9043-EA83-2779026B6512}"/>
               </a:ext>
             </a:extLst>
           </p:cNvPr>
@@ -2958,7 +2958,7 @@
           <p:cNvPr id="6" name="灯片编号占位符 5">
             <a:extLst>
               <a:ext uri="{FF2B5EF4-FFF2-40B4-BE49-F238E27FC236}">
-                <a16:creationId xmlns:a16="http://schemas.microsoft.com/office/drawing/2014/main" id="{A9588455-FAED-4D38-9B94-010F22CE25C3}"/>
+                <a16:creationId xmlns:a16="http://schemas.microsoft.com/office/drawing/2014/main" id="{67FC78E4-444A-26B4-F9FD-AF9F3A1F8A84}"/>
               </a:ext>
             </a:extLst>
           </p:cNvPr>
@@ -2992,7 +2992,7 @@
             </a:lvl1pPr>
           </a:lstStyle>
           <a:p>
-            <a:fld id="{769241C0-9733-4520-B002-CB129F663267}" type="slidenum">
+            <a:fld id="{A84D0467-2C8D-493D-983D-BF298A248BB8}" type="slidenum">
               <a:rPr lang="zh-CN" altLang="en-US" smtClean="0"/>
               <a:t>‹#›</a:t>
             </a:fld>
@@ -3003,7 +3003,7 @@
     </p:spTree>
     <p:extLst>
       <p:ext uri="{BB962C8B-B14F-4D97-AF65-F5344CB8AC3E}">
-        <p14:creationId xmlns:p14="http://schemas.microsoft.com/office/powerpoint/2010/main" val="3037954469"/>
+        <p14:creationId xmlns:p14="http://schemas.microsoft.com/office/powerpoint/2010/main" val="714065101"/>
       </p:ext>
     </p:extLst>
   </p:cSld>
